--- a/docs/presentation_Final_project_HL_YM.pptx
+++ b/docs/presentation_Final_project_HL_YM.pptx
@@ -5,7 +5,7 @@
     <p:sldMasterId id="2147483648" r:id="rId1"/>
   </p:sldMasterIdLst>
   <p:notesMasterIdLst>
-    <p:notesMasterId r:id="rId10"/>
+    <p:notesMasterId r:id="rId7"/>
   </p:notesMasterIdLst>
   <p:sldIdLst>
     <p:sldId id="256" r:id="rId2"/>
@@ -13,9 +13,6 @@
     <p:sldId id="259" r:id="rId4"/>
     <p:sldId id="272" r:id="rId5"/>
     <p:sldId id="275" r:id="rId6"/>
-    <p:sldId id="276" r:id="rId7"/>
-    <p:sldId id="271" r:id="rId8"/>
-    <p:sldId id="273" r:id="rId9"/>
   </p:sldIdLst>
   <p:sldSz cx="9144000" cy="6858000" type="screen4x3"/>
   <p:notesSz cx="6858000" cy="9144000"/>
@@ -199,7 +196,7 @@
           <a:p>
             <a:fld id="{5828A2C3-5529-7245-A1B5-F9091357CC24}" type="datetimeFigureOut">
               <a:rPr lang="en-US" smtClean="0"/>
-              <a:t>12/7/15</a:t>
+              <a:t>12/10/15</a:t>
             </a:fld>
             <a:endParaRPr lang="en-US"/>
           </a:p>
@@ -869,13 +866,8 @@
             </a:r>
             <a:r>
               <a:rPr lang="en-US" baseline="0" dirty="0" smtClean="0"/>
-              <a:t>, basically AVX-variables for GPUs that enable simultaneous computation of multiple elements by a single worker. </a:t>
-            </a:r>
-            <a:r>
-              <a:rPr lang="en-US" baseline="0" dirty="0" smtClean="0"/>
-              <a:t>This optimization allows a single thread to compute multiple outputs by taking advantage of the fact that each output can be computed independently of each other.</a:t>
-            </a:r>
-            <a:endParaRPr lang="en-US" baseline="0" dirty="0" smtClean="0"/>
+              <a:t>, basically AVX-variables for GPUs that enable simultaneous computation of multiple elements by a single worker. This optimization allows a single thread to compute multiple outputs by taking advantage of the fact that each output can be computed independently of each other.</a:t>
+            </a:r>
           </a:p>
           <a:p>
             <a:endParaRPr lang="en-US" baseline="0" dirty="0" smtClean="0"/>
@@ -908,15 +900,7 @@
             </a:r>
             <a:r>
               <a:rPr lang="en-US" baseline="0" dirty="0" smtClean="0"/>
-              <a:t> size of the vector types, this optimization yielded considerable speed-up from float2s up to float 8s, </a:t>
-            </a:r>
-            <a:r>
-              <a:rPr lang="en-US" baseline="0" dirty="0" smtClean="0"/>
-              <a:t>for all size networks</a:t>
-            </a:r>
-            <a:r>
-              <a:rPr lang="en-US" baseline="0" dirty="0" smtClean="0"/>
-              <a:t>.  We think this slow-down at float16 might be a result of allocating too many registers to individual workers, such that fewer workers can work and thus f</a:t>
+              <a:t> size of the vector types, this optimization yielded considerable speed-up from float2s up to float 8s, for all size networks.  We think this slow-down at float16 might be a result of allocating too many registers to individual workers, such that fewer workers can work and thus f</a:t>
             </a:r>
             <a:r>
               <a:rPr lang="en-US" sz="1200" kern="1200" dirty="0" smtClean="0">
@@ -1029,11 +1013,7 @@
             </a:r>
             <a:r>
               <a:rPr lang="en-US" baseline="0" dirty="0" smtClean="0"/>
-              <a:t> with the other optimizations</a:t>
-            </a:r>
-            <a:r>
-              <a:rPr lang="en-US" baseline="0" dirty="0" smtClean="0"/>
-              <a:t>, we found large increases in speed-up across compared to naïve performance.  We also calculated theoretical peak performance of the GPU to be about 600 GFLOPs, so our best speed-ups here really only result in a sobering ~3% of what can theoretically be achieved.  Another meaningful basis of comparison might be what the current cutting-edge performance is from </a:t>
+              <a:t> with the other optimizations, we found large increases in speed-up across compared to naïve performance.  We also calculated theoretical peak performance of the GPU to be about 600 GFLOPs, so our best speed-ups here really only result in a sobering ~3% of what can theoretically be achieved.  Another meaningful basis of comparison might be what the current cutting-edge performance is from </a:t>
             </a:r>
             <a:r>
               <a:rPr lang="en-US" baseline="0" dirty="0" err="1" smtClean="0"/>
@@ -1083,90 +1063,6 @@
     <p:extLst>
       <p:ext uri="{BB962C8B-B14F-4D97-AF65-F5344CB8AC3E}">
         <p14:creationId xmlns:p14="http://schemas.microsoft.com/office/powerpoint/2010/main" val="2789269626"/>
-      </p:ext>
-    </p:extLst>
-  </p:cSld>
-  <p:clrMapOvr>
-    <a:masterClrMapping/>
-  </p:clrMapOvr>
-</p:notes>
-</file>
-
-<file path=ppt/notesSlides/notesSlide6.xml><?xml version="1.0" encoding="utf-8"?>
-<p:notes xmlns:a="http://schemas.openxmlformats.org/drawingml/2006/main" xmlns:r="http://schemas.openxmlformats.org/officeDocument/2006/relationships" xmlns:p="http://schemas.openxmlformats.org/presentationml/2006/main">
-  <p:cSld>
-    <p:spTree>
-      <p:nvGrpSpPr>
-        <p:cNvPr id="1" name=""/>
-        <p:cNvGrpSpPr/>
-        <p:nvPr/>
-      </p:nvGrpSpPr>
-      <p:grpSpPr>
-        <a:xfrm>
-          <a:off x="0" y="0"/>
-          <a:ext cx="0" cy="0"/>
-          <a:chOff x="0" y="0"/>
-          <a:chExt cx="0" cy="0"/>
-        </a:xfrm>
-      </p:grpSpPr>
-      <p:sp>
-        <p:nvSpPr>
-          <p:cNvPr id="2" name="Slide Image Placeholder 1"/>
-          <p:cNvSpPr>
-            <a:spLocks noGrp="1" noRot="1" noChangeAspect="1"/>
-          </p:cNvSpPr>
-          <p:nvPr>
-            <p:ph type="sldImg"/>
-          </p:nvPr>
-        </p:nvSpPr>
-        <p:spPr/>
-      </p:sp>
-      <p:sp>
-        <p:nvSpPr>
-          <p:cNvPr id="3" name="Notes Placeholder 2"/>
-          <p:cNvSpPr>
-            <a:spLocks noGrp="1"/>
-          </p:cNvSpPr>
-          <p:nvPr>
-            <p:ph type="body" idx="1"/>
-          </p:nvPr>
-        </p:nvSpPr>
-        <p:spPr/>
-        <p:txBody>
-          <a:bodyPr/>
-          <a:lstStyle/>
-          <a:p>
-            <a:endParaRPr lang="en-US" dirty="0"/>
-          </a:p>
-        </p:txBody>
-      </p:sp>
-      <p:sp>
-        <p:nvSpPr>
-          <p:cNvPr id="4" name="Slide Number Placeholder 3"/>
-          <p:cNvSpPr>
-            <a:spLocks noGrp="1"/>
-          </p:cNvSpPr>
-          <p:nvPr>
-            <p:ph type="sldNum" sz="quarter" idx="10"/>
-          </p:nvPr>
-        </p:nvSpPr>
-        <p:spPr/>
-        <p:txBody>
-          <a:bodyPr/>
-          <a:lstStyle/>
-          <a:p>
-            <a:fld id="{4CB8B3B5-9C94-BC4E-A010-FAE4F8C5E69D}" type="slidenum">
-              <a:rPr lang="en-US" smtClean="0"/>
-              <a:t>7</a:t>
-            </a:fld>
-            <a:endParaRPr lang="en-US"/>
-          </a:p>
-        </p:txBody>
-      </p:sp>
-    </p:spTree>
-    <p:extLst>
-      <p:ext uri="{BB962C8B-B14F-4D97-AF65-F5344CB8AC3E}">
-        <p14:creationId xmlns:p14="http://schemas.microsoft.com/office/powerpoint/2010/main" val="1639968120"/>
       </p:ext>
     </p:extLst>
   </p:cSld>
@@ -1357,7 +1253,7 @@
           <a:p>
             <a:fld id="{3E0784BC-E102-4247-B92A-016F0439505B}" type="datetimeFigureOut">
               <a:rPr lang="en-US" smtClean="0"/>
-              <a:t>12/7/15</a:t>
+              <a:t>12/10/15</a:t>
             </a:fld>
             <a:endParaRPr lang="en-US"/>
           </a:p>
@@ -1527,7 +1423,7 @@
           <a:p>
             <a:fld id="{3E0784BC-E102-4247-B92A-016F0439505B}" type="datetimeFigureOut">
               <a:rPr lang="en-US" smtClean="0"/>
-              <a:t>12/7/15</a:t>
+              <a:t>12/10/15</a:t>
             </a:fld>
             <a:endParaRPr lang="en-US"/>
           </a:p>
@@ -1707,7 +1603,7 @@
           <a:p>
             <a:fld id="{3E0784BC-E102-4247-B92A-016F0439505B}" type="datetimeFigureOut">
               <a:rPr lang="en-US" smtClean="0"/>
-              <a:t>12/7/15</a:t>
+              <a:t>12/10/15</a:t>
             </a:fld>
             <a:endParaRPr lang="en-US"/>
           </a:p>
@@ -1877,7 +1773,7 @@
           <a:p>
             <a:fld id="{3E0784BC-E102-4247-B92A-016F0439505B}" type="datetimeFigureOut">
               <a:rPr lang="en-US" smtClean="0"/>
-              <a:t>12/7/15</a:t>
+              <a:t>12/10/15</a:t>
             </a:fld>
             <a:endParaRPr lang="en-US"/>
           </a:p>
@@ -2123,7 +2019,7 @@
           <a:p>
             <a:fld id="{3E0784BC-E102-4247-B92A-016F0439505B}" type="datetimeFigureOut">
               <a:rPr lang="en-US" smtClean="0"/>
-              <a:t>12/7/15</a:t>
+              <a:t>12/10/15</a:t>
             </a:fld>
             <a:endParaRPr lang="en-US"/>
           </a:p>
@@ -2411,7 +2307,7 @@
           <a:p>
             <a:fld id="{3E0784BC-E102-4247-B92A-016F0439505B}" type="datetimeFigureOut">
               <a:rPr lang="en-US" smtClean="0"/>
-              <a:t>12/7/15</a:t>
+              <a:t>12/10/15</a:t>
             </a:fld>
             <a:endParaRPr lang="en-US"/>
           </a:p>
@@ -2833,7 +2729,7 @@
           <a:p>
             <a:fld id="{3E0784BC-E102-4247-B92A-016F0439505B}" type="datetimeFigureOut">
               <a:rPr lang="en-US" smtClean="0"/>
-              <a:t>12/7/15</a:t>
+              <a:t>12/10/15</a:t>
             </a:fld>
             <a:endParaRPr lang="en-US"/>
           </a:p>
@@ -2951,7 +2847,7 @@
           <a:p>
             <a:fld id="{3E0784BC-E102-4247-B92A-016F0439505B}" type="datetimeFigureOut">
               <a:rPr lang="en-US" smtClean="0"/>
-              <a:t>12/7/15</a:t>
+              <a:t>12/10/15</a:t>
             </a:fld>
             <a:endParaRPr lang="en-US"/>
           </a:p>
@@ -3046,7 +2942,7 @@
           <a:p>
             <a:fld id="{3E0784BC-E102-4247-B92A-016F0439505B}" type="datetimeFigureOut">
               <a:rPr lang="en-US" smtClean="0"/>
-              <a:t>12/7/15</a:t>
+              <a:t>12/10/15</a:t>
             </a:fld>
             <a:endParaRPr lang="en-US"/>
           </a:p>
@@ -3323,7 +3219,7 @@
           <a:p>
             <a:fld id="{3E0784BC-E102-4247-B92A-016F0439505B}" type="datetimeFigureOut">
               <a:rPr lang="en-US" smtClean="0"/>
-              <a:t>12/7/15</a:t>
+              <a:t>12/10/15</a:t>
             </a:fld>
             <a:endParaRPr lang="en-US"/>
           </a:p>
@@ -3576,7 +3472,7 @@
           <a:p>
             <a:fld id="{3E0784BC-E102-4247-B92A-016F0439505B}" type="datetimeFigureOut">
               <a:rPr lang="en-US" smtClean="0"/>
-              <a:t>12/7/15</a:t>
+              <a:t>12/10/15</a:t>
             </a:fld>
             <a:endParaRPr lang="en-US"/>
           </a:p>
@@ -3789,7 +3685,7 @@
           <a:p>
             <a:fld id="{3E0784BC-E102-4247-B92A-016F0439505B}" type="datetimeFigureOut">
               <a:rPr lang="en-US" smtClean="0"/>
-              <a:t>12/7/15</a:t>
+              <a:t>12/10/15</a:t>
             </a:fld>
             <a:endParaRPr lang="en-US"/>
           </a:p>
@@ -4189,38 +4085,14 @@
             <a:pPr algn="l"/>
             <a:r>
               <a:rPr lang="en-US" dirty="0" smtClean="0"/>
-              <a:t>Optimizing </a:t>
-            </a:r>
-            <a:r>
-              <a:rPr lang="en-US" dirty="0" smtClean="0"/>
-              <a:t>prediction speed</a:t>
-            </a:r>
-            <a:r>
-              <a:rPr lang="en-US" dirty="0" smtClean="0"/>
-              <a:t> of</a:t>
+              <a:t>Optimizing prediction speed of</a:t>
             </a:r>
             <a:br>
               <a:rPr lang="en-US" dirty="0" smtClean="0"/>
             </a:br>
             <a:r>
               <a:rPr lang="en-US" dirty="0" smtClean="0"/>
-              <a:t>Deep Neural </a:t>
-            </a:r>
-            <a:r>
-              <a:rPr lang="en-US" dirty="0" smtClean="0"/>
-              <a:t>Networks </a:t>
-            </a:r>
-            <a:r>
-              <a:rPr lang="en-US" dirty="0" smtClean="0"/>
-              <a:t>for the</a:t>
-            </a:r>
-            <a:r>
-              <a:rPr lang="en-US" dirty="0" smtClean="0"/>
-              <a:t> </a:t>
-            </a:r>
-            <a:r>
-              <a:rPr lang="en-US" dirty="0" smtClean="0"/>
-              <a:t>GPU</a:t>
+              <a:t>Deep Neural Networks for the GPU</a:t>
             </a:r>
             <a:endParaRPr lang="en-US" dirty="0"/>
           </a:p>
@@ -9323,11 +9195,7 @@
           <a:p>
             <a:r>
               <a:rPr lang="en-US" dirty="0" smtClean="0"/>
-              <a:t>Summary </a:t>
-            </a:r>
-            <a:r>
-              <a:rPr lang="en-US" dirty="0" smtClean="0"/>
-              <a:t>Result</a:t>
+              <a:t>Summary Result</a:t>
             </a:r>
             <a:endParaRPr lang="en-US" dirty="0"/>
           </a:p>
@@ -9373,401 +9241,6 @@
     <p:extLst>
       <p:ext uri="{BB962C8B-B14F-4D97-AF65-F5344CB8AC3E}">
         <p14:creationId xmlns:p14="http://schemas.microsoft.com/office/powerpoint/2010/main" val="4064272228"/>
-      </p:ext>
-    </p:extLst>
-  </p:cSld>
-  <p:clrMapOvr>
-    <a:masterClrMapping/>
-  </p:clrMapOvr>
-  <p:timing>
-    <p:tnLst>
-      <p:par>
-        <p:cTn xmlns:p14="http://schemas.microsoft.com/office/powerpoint/2010/main" id="1" dur="indefinite" restart="never" nodeType="tmRoot"/>
-      </p:par>
-    </p:tnLst>
-  </p:timing>
-</p:sld>
-</file>
-
-<file path=ppt/slides/slide6.xml><?xml version="1.0" encoding="utf-8"?>
-<p:sld xmlns:a="http://schemas.openxmlformats.org/drawingml/2006/main" xmlns:r="http://schemas.openxmlformats.org/officeDocument/2006/relationships" xmlns:p="http://schemas.openxmlformats.org/presentationml/2006/main">
-  <p:cSld>
-    <p:spTree>
-      <p:nvGrpSpPr>
-        <p:cNvPr id="1" name=""/>
-        <p:cNvGrpSpPr/>
-        <p:nvPr/>
-      </p:nvGrpSpPr>
-      <p:grpSpPr>
-        <a:xfrm>
-          <a:off x="0" y="0"/>
-          <a:ext cx="0" cy="0"/>
-          <a:chOff x="0" y="0"/>
-          <a:chExt cx="0" cy="0"/>
-        </a:xfrm>
-      </p:grpSpPr>
-    </p:spTree>
-    <p:extLst>
-      <p:ext uri="{BB962C8B-B14F-4D97-AF65-F5344CB8AC3E}">
-        <p14:creationId xmlns:p14="http://schemas.microsoft.com/office/powerpoint/2010/main" val="4054132327"/>
-      </p:ext>
-    </p:extLst>
-  </p:cSld>
-  <p:clrMapOvr>
-    <a:masterClrMapping/>
-  </p:clrMapOvr>
-</p:sld>
-</file>
-
-<file path=ppt/slides/slide7.xml><?xml version="1.0" encoding="utf-8"?>
-<p:sld xmlns:a="http://schemas.openxmlformats.org/drawingml/2006/main" xmlns:r="http://schemas.openxmlformats.org/officeDocument/2006/relationships" xmlns:p="http://schemas.openxmlformats.org/presentationml/2006/main">
-  <p:cSld>
-    <p:spTree>
-      <p:nvGrpSpPr>
-        <p:cNvPr id="1" name=""/>
-        <p:cNvGrpSpPr/>
-        <p:nvPr/>
-      </p:nvGrpSpPr>
-      <p:grpSpPr>
-        <a:xfrm>
-          <a:off x="0" y="0"/>
-          <a:ext cx="0" cy="0"/>
-          <a:chOff x="0" y="0"/>
-          <a:chExt cx="0" cy="0"/>
-        </a:xfrm>
-      </p:grpSpPr>
-      <p:sp>
-        <p:nvSpPr>
-          <p:cNvPr id="5" name="Title 1"/>
-          <p:cNvSpPr>
-            <a:spLocks noGrp="1"/>
-          </p:cNvSpPr>
-          <p:nvPr>
-            <p:ph type="title"/>
-          </p:nvPr>
-        </p:nvSpPr>
-        <p:spPr>
-          <a:xfrm>
-            <a:off x="456137" y="182979"/>
-            <a:ext cx="8229600" cy="681226"/>
-          </a:xfrm>
-        </p:spPr>
-        <p:txBody>
-          <a:bodyPr>
-            <a:normAutofit fontScale="90000"/>
-          </a:bodyPr>
-          <a:lstStyle/>
-          <a:p>
-            <a:r>
-              <a:rPr lang="en-US" dirty="0" smtClean="0"/>
-              <a:t>Blocked Version</a:t>
-            </a:r>
-            <a:endParaRPr lang="en-US" dirty="0"/>
-          </a:p>
-        </p:txBody>
-      </p:sp>
-      <p:pic>
-        <p:nvPicPr>
-          <p:cNvPr id="3" name="Picture 2" descr="Perf_vs_blocksize.pdf"/>
-          <p:cNvPicPr>
-            <a:picLocks noChangeAspect="1"/>
-          </p:cNvPicPr>
-          <p:nvPr/>
-        </p:nvPicPr>
-        <p:blipFill rotWithShape="1">
-          <a:blip r:embed="rId3">
-            <a:extLst>
-              <a:ext uri="{28A0092B-C50C-407E-A947-70E740481C1C}">
-                <a14:useLocalDpi xmlns:a14="http://schemas.microsoft.com/office/drawing/2010/main" val="0"/>
-              </a:ext>
-            </a:extLst>
-          </a:blip>
-          <a:srcRect l="7160" t="11578" r="6641"/>
-          <a:stretch/>
-        </p:blipFill>
-        <p:spPr>
-          <a:xfrm>
-            <a:off x="453892" y="1540137"/>
-            <a:ext cx="8031074" cy="3507905"/>
-          </a:xfrm>
-          <a:prstGeom prst="rect">
-            <a:avLst/>
-          </a:prstGeom>
-        </p:spPr>
-      </p:pic>
-      <p:sp>
-        <p:nvSpPr>
-          <p:cNvPr id="4" name="TextBox 3"/>
-          <p:cNvSpPr txBox="1"/>
-          <p:nvPr/>
-        </p:nvSpPr>
-        <p:spPr>
-          <a:xfrm>
-            <a:off x="810698" y="5187830"/>
-            <a:ext cx="2445606" cy="369332"/>
-          </a:xfrm>
-          <a:prstGeom prst="rect">
-            <a:avLst/>
-          </a:prstGeom>
-          <a:noFill/>
-        </p:spPr>
-        <p:txBody>
-          <a:bodyPr wrap="square" rtlCol="0">
-            <a:spAutoFit/>
-          </a:bodyPr>
-          <a:lstStyle/>
-          <a:p>
-            <a:pPr algn="ctr"/>
-            <a:r>
-              <a:rPr lang="en-US" dirty="0" smtClean="0"/>
-              <a:t>Small Network</a:t>
-            </a:r>
-          </a:p>
-        </p:txBody>
-      </p:sp>
-      <p:sp>
-        <p:nvSpPr>
-          <p:cNvPr id="47" name="TextBox 46"/>
-          <p:cNvSpPr txBox="1"/>
-          <p:nvPr/>
-        </p:nvSpPr>
-        <p:spPr>
-          <a:xfrm>
-            <a:off x="3516282" y="5187830"/>
-            <a:ext cx="2445606" cy="369332"/>
-          </a:xfrm>
-          <a:prstGeom prst="rect">
-            <a:avLst/>
-          </a:prstGeom>
-          <a:noFill/>
-        </p:spPr>
-        <p:txBody>
-          <a:bodyPr wrap="square" rtlCol="0">
-            <a:spAutoFit/>
-          </a:bodyPr>
-          <a:lstStyle/>
-          <a:p>
-            <a:pPr algn="ctr"/>
-            <a:r>
-              <a:rPr lang="en-US" dirty="0" smtClean="0"/>
-              <a:t>Medium Network</a:t>
-            </a:r>
-          </a:p>
-        </p:txBody>
-      </p:sp>
-      <p:sp>
-        <p:nvSpPr>
-          <p:cNvPr id="48" name="TextBox 47"/>
-          <p:cNvSpPr txBox="1"/>
-          <p:nvPr/>
-        </p:nvSpPr>
-        <p:spPr>
-          <a:xfrm>
-            <a:off x="6114288" y="5187830"/>
-            <a:ext cx="2445606" cy="369332"/>
-          </a:xfrm>
-          <a:prstGeom prst="rect">
-            <a:avLst/>
-          </a:prstGeom>
-          <a:noFill/>
-        </p:spPr>
-        <p:txBody>
-          <a:bodyPr wrap="square" rtlCol="0">
-            <a:spAutoFit/>
-          </a:bodyPr>
-          <a:lstStyle/>
-          <a:p>
-            <a:pPr algn="ctr"/>
-            <a:r>
-              <a:rPr lang="en-US" dirty="0" smtClean="0"/>
-              <a:t>Large Network</a:t>
-            </a:r>
-          </a:p>
-        </p:txBody>
-      </p:sp>
-    </p:spTree>
-    <p:extLst>
-      <p:ext uri="{BB962C8B-B14F-4D97-AF65-F5344CB8AC3E}">
-        <p14:creationId xmlns:p14="http://schemas.microsoft.com/office/powerpoint/2010/main" val="1971776185"/>
-      </p:ext>
-    </p:extLst>
-  </p:cSld>
-  <p:clrMapOvr>
-    <a:masterClrMapping/>
-  </p:clrMapOvr>
-</p:sld>
-</file>
-
-<file path=ppt/slides/slide8.xml><?xml version="1.0" encoding="utf-8"?>
-<p:sld xmlns:a="http://schemas.openxmlformats.org/drawingml/2006/main" xmlns:r="http://schemas.openxmlformats.org/officeDocument/2006/relationships" xmlns:p="http://schemas.openxmlformats.org/presentationml/2006/main">
-  <p:cSld>
-    <p:spTree>
-      <p:nvGrpSpPr>
-        <p:cNvPr id="1" name=""/>
-        <p:cNvGrpSpPr/>
-        <p:nvPr/>
-      </p:nvGrpSpPr>
-      <p:grpSpPr>
-        <a:xfrm>
-          <a:off x="0" y="0"/>
-          <a:ext cx="0" cy="0"/>
-          <a:chOff x="0" y="0"/>
-          <a:chExt cx="0" cy="0"/>
-        </a:xfrm>
-      </p:grpSpPr>
-      <p:sp>
-        <p:nvSpPr>
-          <p:cNvPr id="5" name="Title 1"/>
-          <p:cNvSpPr>
-            <a:spLocks noGrp="1"/>
-          </p:cNvSpPr>
-          <p:nvPr>
-            <p:ph type="title"/>
-          </p:nvPr>
-        </p:nvSpPr>
-        <p:spPr>
-          <a:xfrm>
-            <a:off x="456137" y="182979"/>
-            <a:ext cx="8229600" cy="681226"/>
-          </a:xfrm>
-        </p:spPr>
-        <p:txBody>
-          <a:bodyPr>
-            <a:normAutofit fontScale="90000"/>
-          </a:bodyPr>
-          <a:lstStyle/>
-          <a:p>
-            <a:r>
-              <a:rPr lang="en-US" dirty="0" smtClean="0"/>
-              <a:t>Unrolled Version</a:t>
-            </a:r>
-            <a:endParaRPr lang="en-US" dirty="0"/>
-          </a:p>
-        </p:txBody>
-      </p:sp>
-      <p:pic>
-        <p:nvPicPr>
-          <p:cNvPr id="2" name="Picture 1" descr="Perf_vs_unrolling.pdf"/>
-          <p:cNvPicPr>
-            <a:picLocks noChangeAspect="1"/>
-          </p:cNvPicPr>
-          <p:nvPr/>
-        </p:nvPicPr>
-        <p:blipFill rotWithShape="1">
-          <a:blip r:embed="rId2">
-            <a:extLst>
-              <a:ext uri="{28A0092B-C50C-407E-A947-70E740481C1C}">
-                <a14:useLocalDpi xmlns:a14="http://schemas.microsoft.com/office/drawing/2010/main" val="0"/>
-              </a:ext>
-            </a:extLst>
-          </a:blip>
-          <a:srcRect l="6587" r="7642"/>
-          <a:stretch/>
-        </p:blipFill>
-        <p:spPr>
-          <a:xfrm>
-            <a:off x="602290" y="1606747"/>
-            <a:ext cx="7842858" cy="3670148"/>
-          </a:xfrm>
-          <a:prstGeom prst="rect">
-            <a:avLst/>
-          </a:prstGeom>
-        </p:spPr>
-      </p:pic>
-      <p:sp>
-        <p:nvSpPr>
-          <p:cNvPr id="4" name="TextBox 3"/>
-          <p:cNvSpPr txBox="1"/>
-          <p:nvPr/>
-        </p:nvSpPr>
-        <p:spPr>
-          <a:xfrm>
-            <a:off x="881818" y="5567776"/>
-            <a:ext cx="2445606" cy="369332"/>
-          </a:xfrm>
-          <a:prstGeom prst="rect">
-            <a:avLst/>
-          </a:prstGeom>
-          <a:noFill/>
-        </p:spPr>
-        <p:txBody>
-          <a:bodyPr wrap="square" rtlCol="0">
-            <a:spAutoFit/>
-          </a:bodyPr>
-          <a:lstStyle/>
-          <a:p>
-            <a:pPr algn="ctr"/>
-            <a:r>
-              <a:rPr lang="en-US" dirty="0" smtClean="0"/>
-              <a:t>Small Network</a:t>
-            </a:r>
-          </a:p>
-        </p:txBody>
-      </p:sp>
-      <p:sp>
-        <p:nvSpPr>
-          <p:cNvPr id="6" name="TextBox 5"/>
-          <p:cNvSpPr txBox="1"/>
-          <p:nvPr/>
-        </p:nvSpPr>
-        <p:spPr>
-          <a:xfrm>
-            <a:off x="3587402" y="5567776"/>
-            <a:ext cx="2445606" cy="369332"/>
-          </a:xfrm>
-          <a:prstGeom prst="rect">
-            <a:avLst/>
-          </a:prstGeom>
-          <a:noFill/>
-        </p:spPr>
-        <p:txBody>
-          <a:bodyPr wrap="square" rtlCol="0">
-            <a:spAutoFit/>
-          </a:bodyPr>
-          <a:lstStyle/>
-          <a:p>
-            <a:pPr algn="ctr"/>
-            <a:r>
-              <a:rPr lang="en-US" dirty="0" smtClean="0"/>
-              <a:t>Medium Network</a:t>
-            </a:r>
-          </a:p>
-        </p:txBody>
-      </p:sp>
-      <p:sp>
-        <p:nvSpPr>
-          <p:cNvPr id="7" name="TextBox 6"/>
-          <p:cNvSpPr txBox="1"/>
-          <p:nvPr/>
-        </p:nvSpPr>
-        <p:spPr>
-          <a:xfrm>
-            <a:off x="6185408" y="5567776"/>
-            <a:ext cx="2445606" cy="369332"/>
-          </a:xfrm>
-          <a:prstGeom prst="rect">
-            <a:avLst/>
-          </a:prstGeom>
-          <a:noFill/>
-        </p:spPr>
-        <p:txBody>
-          <a:bodyPr wrap="square" rtlCol="0">
-            <a:spAutoFit/>
-          </a:bodyPr>
-          <a:lstStyle/>
-          <a:p>
-            <a:pPr algn="ctr"/>
-            <a:r>
-              <a:rPr lang="en-US" dirty="0" smtClean="0"/>
-              <a:t>Large Network</a:t>
-            </a:r>
-          </a:p>
-        </p:txBody>
-      </p:sp>
-    </p:spTree>
-    <p:extLst>
-      <p:ext uri="{BB962C8B-B14F-4D97-AF65-F5344CB8AC3E}">
-        <p14:creationId xmlns:p14="http://schemas.microsoft.com/office/powerpoint/2010/main" val="3319184518"/>
       </p:ext>
     </p:extLst>
   </p:cSld>
